--- a/output/Presentation.pptx
+++ b/output/Presentation.pptx
@@ -7141,20 +7141,12 @@
           <a:lstStyle/>
           <a:p>
             <a:r>
-              <a:rPr lang="en-US" altLang="zh-CN">
-                <a:solidFill>
-                  <a:schemeClr val="tx1"/>
-                </a:solidFill>
-              </a:rPr>
-              <a:t>Distribution </a:t>
-            </a:r>
-            <a:r>
               <a:rPr lang="en-US" altLang="zh-CN" dirty="0">
                 <a:solidFill>
                   <a:schemeClr val="tx1"/>
                 </a:solidFill>
               </a:rPr>
-              <a:t>of correct predictions for every digit</a:t>
+              <a:t>Distribution of correct predictions for every digit</a:t>
             </a:r>
           </a:p>
           <a:p>

--- a/output/Presentation.pptx
+++ b/output/Presentation.pptx
@@ -7015,6 +7015,36 @@
           </a:p>
         </p:txBody>
       </p:sp>
+      <p:pic>
+        <p:nvPicPr>
+          <p:cNvPr id="3" name="Picture 2">
+            <a:extLst>
+              <a:ext uri="{FF2B5EF4-FFF2-40B4-BE49-F238E27FC236}">
+                <a16:creationId xmlns:a16="http://schemas.microsoft.com/office/drawing/2014/main" id="{556784DF-987E-49E3-AA3D-96E4BD7B9567}"/>
+              </a:ext>
+            </a:extLst>
+          </p:cNvPr>
+          <p:cNvPicPr>
+            <a:picLocks noChangeAspect="1"/>
+          </p:cNvPicPr>
+          <p:nvPr/>
+        </p:nvPicPr>
+        <p:blipFill>
+          <a:blip r:embed="rId3"/>
+          <a:stretch>
+            <a:fillRect/>
+          </a:stretch>
+        </p:blipFill>
+        <p:spPr>
+          <a:xfrm>
+            <a:off x="387900" y="2090608"/>
+            <a:ext cx="8368200" cy="1941423"/>
+          </a:xfrm>
+          <a:prstGeom prst="rect">
+            <a:avLst/>
+          </a:prstGeom>
+        </p:spPr>
+      </p:pic>
     </p:spTree>
   </p:cSld>
   <p:clrMapOvr>
